--- a/figure/results2.pptx
+++ b/figure/results2.pptx
@@ -5957,6 +5957,14 @@
           <a:prstGeom prst="rect">
             <a:avLst/>
           </a:prstGeom>
+          <a:solidFill>
+            <a:schemeClr val="bg1"/>
+          </a:solidFill>
+          <a:ln>
+            <a:solidFill>
+              <a:schemeClr val="tx1"/>
+            </a:solidFill>
+          </a:ln>
         </p:spPr>
         <p:style>
           <a:lnRef idx="1">
@@ -5978,7 +5986,7 @@
           <a:p>
             <a:pPr algn="ctr"/>
             <a:r>
-              <a:rPr lang="en-US" sz="1600" smtClean="0"/>
+              <a:rPr lang="en-US" sz="1600"/>
               <a:t>Trust</a:t>
             </a:r>
             <a:endParaRPr lang="en-US" sz="1600" dirty="0"/>
@@ -5999,6 +6007,14 @@
           <a:prstGeom prst="rect">
             <a:avLst/>
           </a:prstGeom>
+          <a:solidFill>
+            <a:schemeClr val="bg2"/>
+          </a:solidFill>
+          <a:ln>
+            <a:solidFill>
+              <a:schemeClr val="tx1"/>
+            </a:solidFill>
+          </a:ln>
         </p:spPr>
         <p:style>
           <a:lnRef idx="1">
@@ -6020,10 +6036,9 @@
           <a:p>
             <a:pPr algn="ctr"/>
             <a:r>
-              <a:rPr lang="en-US" sz="1600" dirty="0" smtClean="0"/>
+              <a:rPr lang="en-US" sz="1600" dirty="0"/>
               <a:t>Inter-org. awareness</a:t>
             </a:r>
-            <a:endParaRPr lang="en-US" sz="1600" dirty="0"/>
           </a:p>
         </p:txBody>
       </p:sp>
@@ -6041,6 +6056,14 @@
           <a:prstGeom prst="rect">
             <a:avLst/>
           </a:prstGeom>
+          <a:solidFill>
+            <a:schemeClr val="bg2"/>
+          </a:solidFill>
+          <a:ln>
+            <a:solidFill>
+              <a:schemeClr val="tx1"/>
+            </a:solidFill>
+          </a:ln>
         </p:spPr>
         <p:style>
           <a:lnRef idx="1">
@@ -6062,7 +6085,7 @@
           <a:p>
             <a:pPr algn="ctr"/>
             <a:r>
-              <a:rPr lang="en-US" sz="1600" smtClean="0"/>
+              <a:rPr lang="en-US" sz="1600"/>
               <a:t>Project quality</a:t>
             </a:r>
             <a:endParaRPr lang="en-US" sz="1600" dirty="0"/>
@@ -6083,6 +6106,14 @@
           <a:prstGeom prst="rect">
             <a:avLst/>
           </a:prstGeom>
+          <a:solidFill>
+            <a:schemeClr val="bg2"/>
+          </a:solidFill>
+          <a:ln>
+            <a:solidFill>
+              <a:schemeClr val="tx1"/>
+            </a:solidFill>
+          </a:ln>
         </p:spPr>
         <p:style>
           <a:lnRef idx="1">
@@ -6104,10 +6135,9 @@
           <a:p>
             <a:pPr algn="ctr"/>
             <a:r>
-              <a:rPr lang="en-US" sz="1600" dirty="0" smtClean="0"/>
+              <a:rPr lang="en-US" sz="1600" dirty="0"/>
               <a:t>Information sensitivity (privacy)</a:t>
             </a:r>
-            <a:endParaRPr lang="en-US" sz="1600" dirty="0"/>
           </a:p>
         </p:txBody>
       </p:sp>
@@ -6125,6 +6155,14 @@
           <a:prstGeom prst="rect">
             <a:avLst/>
           </a:prstGeom>
+          <a:solidFill>
+            <a:schemeClr val="bg1"/>
+          </a:solidFill>
+          <a:ln>
+            <a:solidFill>
+              <a:schemeClr val="tx1"/>
+            </a:solidFill>
+          </a:ln>
         </p:spPr>
         <p:style>
           <a:lnRef idx="1">
@@ -6146,25 +6184,24 @@
           <a:p>
             <a:pPr algn="ctr"/>
             <a:r>
-              <a:rPr lang="en-US" sz="1600" dirty="0" smtClean="0"/>
+              <a:rPr lang="en-US" sz="1600" dirty="0"/>
               <a:t>Synergy </a:t>
             </a:r>
             <a:br>
-              <a:rPr lang="en-US" sz="1600" dirty="0" smtClean="0"/>
+              <a:rPr lang="en-US" sz="1600" dirty="0"/>
             </a:br>
             <a:r>
-              <a:rPr lang="en-US" sz="1600" dirty="0" smtClean="0"/>
+              <a:rPr lang="en-US" sz="1600" dirty="0"/>
               <a:t>(agile </a:t>
             </a:r>
             <a:r>
-              <a:rPr lang="en-US" sz="1600" dirty="0" err="1" smtClean="0"/>
+              <a:rPr lang="en-US" sz="1600" dirty="0" err="1"/>
               <a:t>collab</a:t>
             </a:r>
             <a:r>
-              <a:rPr lang="en-US" sz="1600" dirty="0" smtClean="0"/>
+              <a:rPr lang="en-US" sz="1600" dirty="0"/>
               <a:t>.)</a:t>
             </a:r>
-            <a:endParaRPr lang="en-US" sz="1600" dirty="0"/>
           </a:p>
         </p:txBody>
       </p:sp>
@@ -6180,7 +6217,7 @@
         <p:spPr>
           <a:xfrm>
             <a:off x="1862149" y="1440214"/>
-            <a:ext cx="8290668" cy="38296"/>
+            <a:ext cx="8290668" cy="0"/>
           </a:xfrm>
           <a:prstGeom prst="line">
             <a:avLst/>
@@ -6514,6 +6551,14 @@
           <a:prstGeom prst="rect">
             <a:avLst/>
           </a:prstGeom>
+          <a:solidFill>
+            <a:schemeClr val="bg1"/>
+          </a:solidFill>
+          <a:ln>
+            <a:solidFill>
+              <a:schemeClr val="tx1"/>
+            </a:solidFill>
+          </a:ln>
         </p:spPr>
         <p:style>
           <a:lnRef idx="1">
@@ -6535,10 +6580,9 @@
           <a:p>
             <a:pPr algn="ctr"/>
             <a:r>
-              <a:rPr lang="en-US" sz="1600" b="1" dirty="0" smtClean="0"/>
+              <a:rPr lang="en-US" sz="1600" b="1" dirty="0"/>
               <a:t>Flexible contract</a:t>
             </a:r>
-            <a:endParaRPr lang="en-US" sz="1600" b="1" dirty="0"/>
           </a:p>
         </p:txBody>
       </p:sp>
@@ -6591,12 +6635,20 @@
         </p:nvSpPr>
         <p:spPr>
           <a:xfrm>
-            <a:off x="10152817" y="1128886"/>
+            <a:off x="10152817" y="1090590"/>
             <a:ext cx="1488141" cy="699247"/>
           </a:xfrm>
           <a:prstGeom prst="rect">
             <a:avLst/>
           </a:prstGeom>
+          <a:solidFill>
+            <a:schemeClr val="bg1"/>
+          </a:solidFill>
+          <a:ln>
+            <a:solidFill>
+              <a:schemeClr val="tx1"/>
+            </a:solidFill>
+          </a:ln>
         </p:spPr>
         <p:style>
           <a:lnRef idx="1">
@@ -6618,7 +6670,7 @@
           <a:p>
             <a:pPr algn="ctr"/>
             <a:r>
-              <a:rPr lang="en-US" sz="1600" smtClean="0"/>
+              <a:rPr lang="en-US" sz="1600"/>
               <a:t>Negotiation &amp; competition</a:t>
             </a:r>
             <a:endParaRPr lang="en-US" sz="1600" dirty="0"/>
@@ -6633,12 +6685,20 @@
         </p:nvSpPr>
         <p:spPr>
           <a:xfrm>
-            <a:off x="6413798" y="212747"/>
+            <a:off x="6413798" y="193102"/>
             <a:ext cx="1488141" cy="699247"/>
           </a:xfrm>
           <a:prstGeom prst="rect">
             <a:avLst/>
           </a:prstGeom>
+          <a:solidFill>
+            <a:schemeClr val="bg1"/>
+          </a:solidFill>
+          <a:ln>
+            <a:solidFill>
+              <a:schemeClr val="tx1"/>
+            </a:solidFill>
+          </a:ln>
         </p:spPr>
         <p:style>
           <a:lnRef idx="1">
@@ -6678,8 +6738,8 @@
         </p:nvCxnSpPr>
         <p:spPr>
           <a:xfrm flipV="1">
-            <a:off x="1862149" y="562371"/>
-            <a:ext cx="4551649" cy="877843"/>
+            <a:off x="1862149" y="542726"/>
+            <a:ext cx="4551649" cy="897488"/>
           </a:xfrm>
           <a:prstGeom prst="line">
             <a:avLst/>
@@ -6722,6 +6782,14 @@
           <a:prstGeom prst="rect">
             <a:avLst/>
           </a:prstGeom>
+          <a:solidFill>
+            <a:schemeClr val="bg1"/>
+          </a:solidFill>
+          <a:ln>
+            <a:solidFill>
+              <a:schemeClr val="tx1"/>
+            </a:solidFill>
+          </a:ln>
         </p:spPr>
         <p:style>
           <a:lnRef idx="1">
@@ -6762,7 +6830,7 @@
         <p:spPr>
           <a:xfrm>
             <a:off x="1862148" y="542726"/>
-            <a:ext cx="4551650" cy="19645"/>
+            <a:ext cx="4551650" cy="0"/>
           </a:xfrm>
           <a:prstGeom prst="line">
             <a:avLst/>
@@ -7012,6 +7080,14 @@
           <a:prstGeom prst="rect">
             <a:avLst/>
           </a:prstGeom>
+          <a:solidFill>
+            <a:schemeClr val="bg2"/>
+          </a:solidFill>
+          <a:ln>
+            <a:solidFill>
+              <a:schemeClr val="tx1"/>
+            </a:solidFill>
+          </a:ln>
         </p:spPr>
         <p:style>
           <a:lnRef idx="1">
@@ -7033,10 +7109,9 @@
           <a:p>
             <a:pPr algn="ctr"/>
             <a:r>
-              <a:rPr lang="en-US" sz="1600" dirty="0" smtClean="0"/>
+              <a:rPr lang="en-US" sz="1600" dirty="0"/>
               <a:t>Information access</a:t>
             </a:r>
-            <a:endParaRPr lang="en-US" sz="1600" dirty="0"/>
           </a:p>
         </p:txBody>
       </p:sp>
@@ -7054,6 +7129,16 @@
           <a:prstGeom prst="rect">
             <a:avLst/>
           </a:prstGeom>
+          <a:solidFill>
+            <a:schemeClr val="bg2">
+              <a:lumMod val="90000"/>
+            </a:schemeClr>
+          </a:solidFill>
+          <a:ln w="22225">
+            <a:solidFill>
+              <a:schemeClr val="tx1"/>
+            </a:solidFill>
+          </a:ln>
         </p:spPr>
         <p:style>
           <a:lnRef idx="1">
@@ -7075,10 +7160,9 @@
           <a:p>
             <a:pPr algn="ctr"/>
             <a:r>
-              <a:rPr lang="en-US" sz="1600" dirty="0" smtClean="0"/>
+              <a:rPr lang="en-US" sz="1600" dirty="0"/>
               <a:t>(inter-org.) harmonized tooling</a:t>
             </a:r>
-            <a:endParaRPr lang="en-US" sz="1600" dirty="0"/>
           </a:p>
         </p:txBody>
       </p:sp>
@@ -7096,6 +7180,16 @@
           <a:prstGeom prst="rect">
             <a:avLst/>
           </a:prstGeom>
+          <a:solidFill>
+            <a:schemeClr val="bg2">
+              <a:lumMod val="90000"/>
+            </a:schemeClr>
+          </a:solidFill>
+          <a:ln w="22225">
+            <a:solidFill>
+              <a:schemeClr val="tx1"/>
+            </a:solidFill>
+          </a:ln>
         </p:spPr>
         <p:style>
           <a:lnRef idx="1">
@@ -7126,38 +7220,6 @@
       </p:sp>
       <p:sp>
         <p:nvSpPr>
-          <p:cNvPr id="461" name="TextBox 460"/>
-          <p:cNvSpPr txBox="1"/>
-          <p:nvPr/>
-        </p:nvSpPr>
-        <p:spPr>
-          <a:xfrm>
-            <a:off x="2976951" y="7995309"/>
-            <a:ext cx="845103" cy="338554"/>
-          </a:xfrm>
-          <a:prstGeom prst="rect">
-            <a:avLst/>
-          </a:prstGeom>
-          <a:solidFill>
-            <a:schemeClr val="bg1"/>
-          </a:solidFill>
-        </p:spPr>
-        <p:txBody>
-          <a:bodyPr wrap="none" rtlCol="0">
-            <a:spAutoFit/>
-          </a:bodyPr>
-          <a:lstStyle/>
-          <a:p>
-            <a:r>
-              <a:rPr lang="en-US" sz="1600" dirty="0" smtClean="0"/>
-              <a:t>F1.2: ➕</a:t>
-            </a:r>
-            <a:endParaRPr lang="en-US" sz="1600" dirty="0"/>
-          </a:p>
-        </p:txBody>
-      </p:sp>
-      <p:sp>
-        <p:nvSpPr>
           <p:cNvPr id="188" name="Rectangle 187"/>
           <p:cNvSpPr/>
           <p:nvPr/>
@@ -7170,6 +7232,14 @@
           <a:prstGeom prst="rect">
             <a:avLst/>
           </a:prstGeom>
+          <a:solidFill>
+            <a:schemeClr val="bg2"/>
+          </a:solidFill>
+          <a:ln>
+            <a:solidFill>
+              <a:schemeClr val="tx1"/>
+            </a:solidFill>
+          </a:ln>
         </p:spPr>
         <p:style>
           <a:lnRef idx="1">
@@ -7207,7 +7277,7 @@
         <p:spPr>
           <a:xfrm>
             <a:off x="318096" y="4754891"/>
-            <a:ext cx="4311825" cy="1875973"/>
+            <a:ext cx="4512737" cy="1875973"/>
           </a:xfrm>
           <a:prstGeom prst="rect">
             <a:avLst/>
@@ -7260,6 +7330,16 @@
           <a:prstGeom prst="rect">
             <a:avLst/>
           </a:prstGeom>
+          <a:solidFill>
+            <a:schemeClr val="bg2">
+              <a:lumMod val="90000"/>
+            </a:schemeClr>
+          </a:solidFill>
+          <a:ln w="22225">
+            <a:solidFill>
+              <a:schemeClr val="tx1"/>
+            </a:solidFill>
+          </a:ln>
         </p:spPr>
         <p:style>
           <a:lnRef idx="1">
@@ -7281,7 +7361,7 @@
           <a:p>
             <a:pPr algn="ctr"/>
             <a:r>
-              <a:rPr lang="en-US" sz="1400" smtClean="0"/>
+              <a:rPr lang="en-US" sz="1400"/>
               <a:t>Software dependent (direct)</a:t>
             </a:r>
             <a:endParaRPr lang="en-US" sz="1400" dirty="0"/>
@@ -7302,6 +7382,14 @@
           <a:prstGeom prst="rect">
             <a:avLst/>
           </a:prstGeom>
+          <a:solidFill>
+            <a:schemeClr val="bg2"/>
+          </a:solidFill>
+          <a:ln>
+            <a:solidFill>
+              <a:schemeClr val="tx1"/>
+            </a:solidFill>
+          </a:ln>
         </p:spPr>
         <p:style>
           <a:lnRef idx="1">
@@ -7323,10 +7411,9 @@
           <a:p>
             <a:pPr algn="ctr"/>
             <a:r>
-              <a:rPr lang="en-US" sz="1400" dirty="0" smtClean="0"/>
+              <a:rPr lang="en-US" sz="1400" dirty="0"/>
               <a:t>Software driven (indirect)</a:t>
             </a:r>
-            <a:endParaRPr lang="en-US" sz="1400" dirty="0"/>
           </a:p>
         </p:txBody>
       </p:sp>
@@ -7344,6 +7431,14 @@
           <a:prstGeom prst="rect">
             <a:avLst/>
           </a:prstGeom>
+          <a:solidFill>
+            <a:schemeClr val="bg1"/>
+          </a:solidFill>
+          <a:ln>
+            <a:solidFill>
+              <a:schemeClr val="tx1"/>
+            </a:solidFill>
+          </a:ln>
         </p:spPr>
         <p:style>
           <a:lnRef idx="1">
@@ -7365,7 +7460,7 @@
           <a:p>
             <a:pPr algn="ctr"/>
             <a:r>
-              <a:rPr lang="en-US" sz="1400" smtClean="0"/>
+              <a:rPr lang="en-US" sz="1400"/>
               <a:t>Software agnostic</a:t>
             </a:r>
             <a:endParaRPr lang="en-US" sz="1400" dirty="0"/>
@@ -7383,8 +7478,8 @@
         </p:nvCxnSpPr>
         <p:spPr>
           <a:xfrm flipV="1">
-            <a:off x="7157869" y="911994"/>
-            <a:ext cx="0" cy="2495807"/>
+            <a:off x="7157869" y="892349"/>
+            <a:ext cx="0" cy="2515452"/>
           </a:xfrm>
           <a:prstGeom prst="line">
             <a:avLst/>
@@ -7425,6 +7520,16 @@
           <a:prstGeom prst="rect">
             <a:avLst/>
           </a:prstGeom>
+          <a:solidFill>
+            <a:schemeClr val="bg2">
+              <a:lumMod val="90000"/>
+            </a:schemeClr>
+          </a:solidFill>
+          <a:ln w="22225">
+            <a:solidFill>
+              <a:schemeClr val="tx1"/>
+            </a:solidFill>
+          </a:ln>
         </p:spPr>
         <p:style>
           <a:lnRef idx="1">
@@ -7446,10 +7551,9 @@
           <a:p>
             <a:pPr algn="ctr"/>
             <a:r>
-              <a:rPr lang="en-US" sz="1600" b="1" smtClean="0"/>
+              <a:rPr lang="en-US" sz="1600" b="1"/>
               <a:t>Information transparency</a:t>
             </a:r>
-            <a:endParaRPr lang="en-US" sz="1600" b="1"/>
           </a:p>
         </p:txBody>
       </p:sp>
@@ -7462,7 +7566,7 @@
         <p:spPr>
           <a:xfrm flipV="1">
             <a:off x="459463" y="6469223"/>
-            <a:ext cx="900000" cy="0"/>
+            <a:ext cx="1260000" cy="0"/>
           </a:xfrm>
           <a:prstGeom prst="line">
             <a:avLst/>
@@ -7497,8 +7601,8 @@
         </p:nvCxnSpPr>
         <p:spPr>
           <a:xfrm>
-            <a:off x="459463" y="6262238"/>
-            <a:ext cx="900000" cy="0"/>
+            <a:off x="459463" y="6240555"/>
+            <a:ext cx="1260000" cy="0"/>
           </a:xfrm>
           <a:prstGeom prst="line">
             <a:avLst/>
@@ -7507,7 +7611,7 @@
             <a:solidFill>
               <a:srgbClr val="FF0000"/>
             </a:solidFill>
-            <a:tailEnd type="oval" w="lg" len="med"/>
+            <a:tailEnd type="triangle" w="lg" len="med"/>
           </a:ln>
         </p:spPr>
         <p:style>
@@ -7534,7 +7638,7 @@
         <p:spPr>
           <a:xfrm>
             <a:off x="459463" y="6008287"/>
-            <a:ext cx="900000" cy="3600"/>
+            <a:ext cx="1260000" cy="3600"/>
           </a:xfrm>
           <a:prstGeom prst="line">
             <a:avLst/>
@@ -7571,7 +7675,7 @@
         </p:nvSpPr>
         <p:spPr>
           <a:xfrm>
-            <a:off x="1418089" y="5892200"/>
+            <a:off x="1695547" y="5870819"/>
             <a:ext cx="2863797" cy="738664"/>
           </a:xfrm>
           <a:prstGeom prst="rect">
@@ -7788,12 +7892,12 @@
         </p:nvCxnSpPr>
         <p:spPr>
           <a:xfrm flipH="1" flipV="1">
-            <a:off x="7901939" y="562371"/>
-            <a:ext cx="3739017" cy="2197659"/>
+            <a:off x="7901939" y="542726"/>
+            <a:ext cx="3739017" cy="2217304"/>
           </a:xfrm>
           <a:prstGeom prst="bentConnector3">
             <a:avLst>
-              <a:gd name="adj1" fmla="val -10347"/>
+              <a:gd name="adj1" fmla="val -10367"/>
             </a:avLst>
           </a:prstGeom>
           <a:ln w="25400">
@@ -7838,7 +7942,7 @@
           <a:prstGeom prst="bentConnector4">
             <a:avLst>
               <a:gd name="adj1" fmla="val -15938"/>
-              <a:gd name="adj2" fmla="val 250237"/>
+              <a:gd name="adj2" fmla="val 253256"/>
             </a:avLst>
           </a:prstGeom>
           <a:ln w="25400">
@@ -8020,6 +8124,14 @@
           <a:prstGeom prst="rect">
             <a:avLst/>
           </a:prstGeom>
+          <a:solidFill>
+            <a:schemeClr val="bg2"/>
+          </a:solidFill>
+          <a:ln>
+            <a:solidFill>
+              <a:schemeClr val="tx1"/>
+            </a:solidFill>
+          </a:ln>
         </p:spPr>
         <p:style>
           <a:lnRef idx="1">
@@ -8041,10 +8153,9 @@
           <a:p>
             <a:pPr algn="ctr"/>
             <a:r>
-              <a:rPr lang="en-US" sz="1600" dirty="0" smtClean="0"/>
+              <a:rPr lang="en-US" sz="1600" dirty="0"/>
               <a:t>(perception of) physical distance</a:t>
             </a:r>
-            <a:endParaRPr lang="en-US" sz="1600" dirty="0"/>
           </a:p>
         </p:txBody>
       </p:sp>
@@ -8612,6 +8723,14 @@
             <a:prstGeom prst="rect">
               <a:avLst/>
             </a:prstGeom>
+            <a:solidFill>
+              <a:schemeClr val="bg2"/>
+            </a:solidFill>
+            <a:ln>
+              <a:solidFill>
+                <a:schemeClr val="tx1"/>
+              </a:solidFill>
+            </a:ln>
           </p:spPr>
           <p:style>
             <a:lnRef idx="1">
@@ -8633,10 +8752,9 @@
             <a:p>
               <a:pPr algn="ctr"/>
               <a:r>
-                <a:rPr lang="en-US" sz="1600" dirty="0" smtClean="0"/>
+                <a:rPr lang="en-US" sz="1600" dirty="0"/>
                 <a:t>Shared project understanding</a:t>
               </a:r>
-              <a:endParaRPr lang="en-US" sz="1600" dirty="0"/>
             </a:p>
           </p:txBody>
         </p:sp>
@@ -8674,6 +8792,113 @@
               <a:t>: ➕</a:t>
             </a:r>
             <a:endParaRPr lang="en-US" sz="1600" dirty="0"/>
+          </a:p>
+        </p:txBody>
+      </p:sp>
+      <p:sp>
+        <p:nvSpPr>
+          <p:cNvPr id="120" name="TextBox 119"/>
+          <p:cNvSpPr txBox="1"/>
+          <p:nvPr/>
+        </p:nvSpPr>
+        <p:spPr>
+          <a:xfrm>
+            <a:off x="581928" y="5874984"/>
+            <a:ext cx="566181" cy="276999"/>
+          </a:xfrm>
+          <a:prstGeom prst="rect">
+            <a:avLst/>
+          </a:prstGeom>
+          <a:solidFill>
+            <a:schemeClr val="bg1"/>
+          </a:solidFill>
+        </p:spPr>
+        <p:txBody>
+          <a:bodyPr wrap="none" rtlCol="0">
+            <a:spAutoFit/>
+          </a:bodyPr>
+          <a:lstStyle/>
+          <a:p>
+            <a:r>
+              <a:rPr lang="en-US" sz="1200" smtClean="0"/>
+              <a:t>Fn</a:t>
+            </a:r>
+            <a:r>
+              <a:rPr lang="en-US" sz="1200" dirty="0" smtClean="0"/>
+              <a:t>: ➕</a:t>
+            </a:r>
+            <a:endParaRPr lang="en-US" sz="1200" dirty="0"/>
+          </a:p>
+        </p:txBody>
+      </p:sp>
+      <p:sp>
+        <p:nvSpPr>
+          <p:cNvPr id="121" name="TextBox 120"/>
+          <p:cNvSpPr txBox="1"/>
+          <p:nvPr/>
+        </p:nvSpPr>
+        <p:spPr>
+          <a:xfrm>
+            <a:off x="579311" y="6104657"/>
+            <a:ext cx="566181" cy="276999"/>
+          </a:xfrm>
+          <a:prstGeom prst="rect">
+            <a:avLst/>
+          </a:prstGeom>
+          <a:solidFill>
+            <a:schemeClr val="bg1"/>
+          </a:solidFill>
+        </p:spPr>
+        <p:txBody>
+          <a:bodyPr wrap="none" rtlCol="0">
+            <a:spAutoFit/>
+          </a:bodyPr>
+          <a:lstStyle/>
+          <a:p>
+            <a:r>
+              <a:rPr lang="en-US" sz="1200" smtClean="0"/>
+              <a:t>Fn</a:t>
+            </a:r>
+            <a:r>
+              <a:rPr lang="en-US" sz="1200" dirty="0" smtClean="0"/>
+              <a:t>: ➖</a:t>
+            </a:r>
+            <a:endParaRPr lang="en-US" sz="1200" dirty="0"/>
+          </a:p>
+        </p:txBody>
+      </p:sp>
+      <p:sp>
+        <p:nvSpPr>
+          <p:cNvPr id="122" name="TextBox 121"/>
+          <p:cNvSpPr txBox="1"/>
+          <p:nvPr/>
+        </p:nvSpPr>
+        <p:spPr>
+          <a:xfrm>
+            <a:off x="580082" y="6334818"/>
+            <a:ext cx="779381" cy="276999"/>
+          </a:xfrm>
+          <a:prstGeom prst="rect">
+            <a:avLst/>
+          </a:prstGeom>
+          <a:solidFill>
+            <a:schemeClr val="bg1"/>
+          </a:solidFill>
+        </p:spPr>
+        <p:txBody>
+          <a:bodyPr wrap="none" rtlCol="0">
+            <a:spAutoFit/>
+          </a:bodyPr>
+          <a:lstStyle/>
+          <a:p>
+            <a:r>
+              <a:rPr lang="en-US" sz="1200" smtClean="0"/>
+              <a:t>Fn</a:t>
+            </a:r>
+            <a:r>
+              <a:rPr lang="en-US" sz="1200" dirty="0" smtClean="0"/>
+              <a:t>: ➕/➖</a:t>
+            </a:r>
           </a:p>
         </p:txBody>
       </p:sp>
